--- a/Presentation/Lection 1.pptx
+++ b/Presentation/Lection 1.pptx
@@ -376,7 +376,7 @@
             <a:fld id="{5B106E36-FD25-4E2D-B0AA-010F637433A0}" type="datetimeFigureOut">
               <a:rPr lang="ru-RU" smtClean="0"/>
               <a:pPr/>
-              <a:t>07.02.2022</a:t>
+              <a:t>15.02.2022</a:t>
             </a:fld>
             <a:endParaRPr lang="ru-RU"/>
           </a:p>
@@ -543,7 +543,7 @@
             <a:fld id="{5B106E36-FD25-4E2D-B0AA-010F637433A0}" type="datetimeFigureOut">
               <a:rPr lang="ru-RU" smtClean="0"/>
               <a:pPr/>
-              <a:t>07.02.2022</a:t>
+              <a:t>15.02.2022</a:t>
             </a:fld>
             <a:endParaRPr lang="ru-RU"/>
           </a:p>
@@ -720,7 +720,7 @@
             <a:fld id="{5B106E36-FD25-4E2D-B0AA-010F637433A0}" type="datetimeFigureOut">
               <a:rPr lang="ru-RU" smtClean="0"/>
               <a:pPr/>
-              <a:t>07.02.2022</a:t>
+              <a:t>15.02.2022</a:t>
             </a:fld>
             <a:endParaRPr lang="ru-RU"/>
           </a:p>
@@ -887,7 +887,7 @@
             <a:fld id="{5B106E36-FD25-4E2D-B0AA-010F637433A0}" type="datetimeFigureOut">
               <a:rPr lang="ru-RU" smtClean="0"/>
               <a:pPr/>
-              <a:t>07.02.2022</a:t>
+              <a:t>15.02.2022</a:t>
             </a:fld>
             <a:endParaRPr lang="ru-RU"/>
           </a:p>
@@ -1130,7 +1130,7 @@
             <a:fld id="{5B106E36-FD25-4E2D-B0AA-010F637433A0}" type="datetimeFigureOut">
               <a:rPr lang="ru-RU" smtClean="0"/>
               <a:pPr/>
-              <a:t>07.02.2022</a:t>
+              <a:t>15.02.2022</a:t>
             </a:fld>
             <a:endParaRPr lang="ru-RU"/>
           </a:p>
@@ -1415,7 +1415,7 @@
             <a:fld id="{5B106E36-FD25-4E2D-B0AA-010F637433A0}" type="datetimeFigureOut">
               <a:rPr lang="ru-RU" smtClean="0"/>
               <a:pPr/>
-              <a:t>07.02.2022</a:t>
+              <a:t>15.02.2022</a:t>
             </a:fld>
             <a:endParaRPr lang="ru-RU"/>
           </a:p>
@@ -1834,7 +1834,7 @@
             <a:fld id="{5B106E36-FD25-4E2D-B0AA-010F637433A0}" type="datetimeFigureOut">
               <a:rPr lang="ru-RU" smtClean="0"/>
               <a:pPr/>
-              <a:t>07.02.2022</a:t>
+              <a:t>15.02.2022</a:t>
             </a:fld>
             <a:endParaRPr lang="ru-RU"/>
           </a:p>
@@ -1949,7 +1949,7 @@
             <a:fld id="{5B106E36-FD25-4E2D-B0AA-010F637433A0}" type="datetimeFigureOut">
               <a:rPr lang="ru-RU" smtClean="0"/>
               <a:pPr/>
-              <a:t>07.02.2022</a:t>
+              <a:t>15.02.2022</a:t>
             </a:fld>
             <a:endParaRPr lang="ru-RU"/>
           </a:p>
@@ -2041,7 +2041,7 @@
             <a:fld id="{5B106E36-FD25-4E2D-B0AA-010F637433A0}" type="datetimeFigureOut">
               <a:rPr lang="ru-RU" smtClean="0"/>
               <a:pPr/>
-              <a:t>07.02.2022</a:t>
+              <a:t>15.02.2022</a:t>
             </a:fld>
             <a:endParaRPr lang="ru-RU"/>
           </a:p>
@@ -2315,7 +2315,7 @@
             <a:fld id="{5B106E36-FD25-4E2D-B0AA-010F637433A0}" type="datetimeFigureOut">
               <a:rPr lang="ru-RU" smtClean="0"/>
               <a:pPr/>
-              <a:t>07.02.2022</a:t>
+              <a:t>15.02.2022</a:t>
             </a:fld>
             <a:endParaRPr lang="ru-RU"/>
           </a:p>
@@ -2565,7 +2565,7 @@
             <a:fld id="{5B106E36-FD25-4E2D-B0AA-010F637433A0}" type="datetimeFigureOut">
               <a:rPr lang="ru-RU" smtClean="0"/>
               <a:pPr/>
-              <a:t>07.02.2022</a:t>
+              <a:t>15.02.2022</a:t>
             </a:fld>
             <a:endParaRPr lang="ru-RU"/>
           </a:p>
@@ -2775,7 +2775,7 @@
             <a:fld id="{5B106E36-FD25-4E2D-B0AA-010F637433A0}" type="datetimeFigureOut">
               <a:rPr lang="ru-RU" smtClean="0"/>
               <a:pPr/>
-              <a:t>07.02.2022</a:t>
+              <a:t>15.02.2022</a:t>
             </a:fld>
             <a:endParaRPr lang="ru-RU"/>
           </a:p>
@@ -6073,11 +6073,7 @@
             </a:r>
             <a:r>
               <a:rPr lang="ru-RU" dirty="0" smtClean="0"/>
-              <a:t>: </a:t>
-            </a:r>
-            <a:r>
-              <a:rPr lang="ru-RU" dirty="0" smtClean="0"/>
-              <a:t>(3,1)</a:t>
+              <a:t>: (3,1)</a:t>
             </a:r>
             <a:endParaRPr lang="ru-RU" dirty="0"/>
           </a:p>
@@ -7517,11 +7513,7 @@
             </a:r>
             <a:r>
               <a:rPr lang="ru-RU" dirty="0" smtClean="0"/>
-              <a:t>: </a:t>
-            </a:r>
-            <a:r>
-              <a:rPr lang="ru-RU" dirty="0" smtClean="0"/>
-              <a:t>(3,6)</a:t>
+              <a:t>: (3,6)</a:t>
             </a:r>
             <a:endParaRPr lang="ru-RU" dirty="0"/>
           </a:p>
@@ -10525,11 +10517,7 @@
             </a:r>
             <a:r>
               <a:rPr lang="ru-RU" dirty="0" smtClean="0"/>
-              <a:t>: </a:t>
-            </a:r>
-            <a:r>
-              <a:rPr lang="ru-RU" dirty="0" smtClean="0"/>
-              <a:t>(4,2)</a:t>
+              <a:t>: (4,2)</a:t>
             </a:r>
             <a:endParaRPr lang="ru-RU" dirty="0"/>
           </a:p>
@@ -11973,11 +11961,7 @@
             </a:r>
             <a:r>
               <a:rPr lang="ru-RU" dirty="0" smtClean="0"/>
-              <a:t>: </a:t>
-            </a:r>
-            <a:r>
-              <a:rPr lang="ru-RU" dirty="0" smtClean="0"/>
-              <a:t>(4,5)</a:t>
+              <a:t>: (4,5)</a:t>
             </a:r>
             <a:endParaRPr lang="ru-RU" dirty="0"/>
           </a:p>
@@ -13422,11 +13406,7 @@
             </a:r>
             <a:r>
               <a:rPr lang="ru-RU" dirty="0" smtClean="0"/>
-              <a:t>: </a:t>
-            </a:r>
-            <a:r>
-              <a:rPr lang="ru-RU" dirty="0" smtClean="0"/>
-              <a:t>(4,7)</a:t>
+              <a:t>: (4,7)</a:t>
             </a:r>
             <a:endParaRPr lang="ru-RU" dirty="0"/>
           </a:p>
@@ -16446,11 +16426,7 @@
             </a:r>
             <a:r>
               <a:rPr lang="ru-RU" dirty="0" smtClean="0"/>
-              <a:t>: </a:t>
-            </a:r>
-            <a:r>
-              <a:rPr lang="ru-RU" dirty="0" smtClean="0"/>
-              <a:t>(5,2)</a:t>
+              <a:t>: (5,2)</a:t>
             </a:r>
             <a:endParaRPr lang="ru-RU" dirty="0"/>
           </a:p>
@@ -17906,11 +17882,7 @@
             </a:r>
             <a:r>
               <a:rPr lang="ru-RU" dirty="0" smtClean="0"/>
-              <a:t>: </a:t>
-            </a:r>
-            <a:r>
-              <a:rPr lang="ru-RU" dirty="0" smtClean="0"/>
-              <a:t>(5,4)</a:t>
+              <a:t>: (5,4)</a:t>
             </a:r>
             <a:endParaRPr lang="ru-RU" dirty="0"/>
           </a:p>
@@ -19444,11 +19416,7 @@
             </a:r>
             <a:r>
               <a:rPr lang="ru-RU" dirty="0" smtClean="0"/>
-              <a:t>: </a:t>
-            </a:r>
-            <a:r>
-              <a:rPr lang="ru-RU" dirty="0" smtClean="0"/>
-              <a:t>(5,7)</a:t>
+              <a:t>: (5,7)</a:t>
             </a:r>
             <a:endParaRPr lang="ru-RU" dirty="0"/>
           </a:p>
@@ -20906,11 +20874,7 @@
             </a:r>
             <a:r>
               <a:rPr lang="ru-RU" dirty="0" smtClean="0"/>
-              <a:t>: </a:t>
-            </a:r>
-            <a:r>
-              <a:rPr lang="ru-RU" dirty="0" smtClean="0"/>
-              <a:t>(5,8)</a:t>
+              <a:t>: (5,8)</a:t>
             </a:r>
             <a:endParaRPr lang="ru-RU" dirty="0"/>
           </a:p>
@@ -23958,11 +23922,7 @@
             </a:r>
             <a:r>
               <a:rPr lang="ru-RU" dirty="0" smtClean="0"/>
-              <a:t>: </a:t>
-            </a:r>
-            <a:r>
-              <a:rPr lang="ru-RU" dirty="0" smtClean="0"/>
-              <a:t>(6,3)</a:t>
+              <a:t>: (6,3)</a:t>
             </a:r>
             <a:endParaRPr lang="ru-RU" dirty="0"/>
           </a:p>
@@ -26939,11 +26899,7 @@
             </a:r>
             <a:r>
               <a:rPr lang="ru-RU" dirty="0" smtClean="0"/>
-              <a:t>: </a:t>
-            </a:r>
-            <a:r>
-              <a:rPr lang="ru-RU" dirty="0" smtClean="0"/>
-              <a:t>(7,4)</a:t>
+              <a:t>: (7,4)</a:t>
             </a:r>
             <a:endParaRPr lang="ru-RU" dirty="0"/>
           </a:p>
@@ -28419,11 +28375,7 @@
             </a:r>
             <a:r>
               <a:rPr lang="ru-RU" dirty="0" smtClean="0"/>
-              <a:t>: </a:t>
-            </a:r>
-            <a:r>
-              <a:rPr lang="ru-RU" dirty="0" smtClean="0"/>
-              <a:t>(7,5)</a:t>
+              <a:t>: (7,5)</a:t>
             </a:r>
             <a:endParaRPr lang="ru-RU" dirty="0"/>
           </a:p>
@@ -29896,11 +29848,7 @@
             </a:r>
             <a:r>
               <a:rPr lang="ru-RU" dirty="0" smtClean="0"/>
-              <a:t>: </a:t>
-            </a:r>
-            <a:r>
-              <a:rPr lang="ru-RU" dirty="0" smtClean="0"/>
-              <a:t>(7,8)</a:t>
+              <a:t>: (7,8)</a:t>
             </a:r>
             <a:endParaRPr lang="ru-RU" dirty="0"/>
           </a:p>
@@ -32889,11 +32837,7 @@
             </a:r>
             <a:r>
               <a:rPr lang="ru-RU" dirty="0" smtClean="0"/>
-              <a:t>: </a:t>
-            </a:r>
-            <a:r>
-              <a:rPr lang="ru-RU" dirty="0" smtClean="0"/>
-              <a:t>(8,5)</a:t>
+              <a:t>: (8,5)</a:t>
             </a:r>
             <a:endParaRPr lang="ru-RU" dirty="0"/>
           </a:p>
@@ -35815,11 +35759,7 @@
             </a:r>
             <a:r>
               <a:rPr lang="ru-RU" dirty="0" smtClean="0"/>
-              <a:t>: </a:t>
-            </a:r>
-            <a:r>
-              <a:rPr lang="ru-RU" dirty="0" smtClean="0"/>
-              <a:t>(8,7)</a:t>
+              <a:t>: (8,7)</a:t>
             </a:r>
             <a:endParaRPr lang="ru-RU" dirty="0"/>
           </a:p>
@@ -37535,18 +37475,7 @@
                   </a:schemeClr>
                 </a:solidFill>
               </a:rPr>
-              <a:t>u </a:t>
-            </a:r>
-            <a:r>
-              <a:rPr lang="ru-RU" sz="1600" dirty="0" smtClean="0">
-                <a:solidFill>
-                  <a:schemeClr val="tx2">
-                    <a:lumMod val="60000"/>
-                    <a:lumOff val="40000"/>
-                  </a:schemeClr>
-                </a:solidFill>
-              </a:rPr>
-              <a:t>∈ V[G] </a:t>
+              <a:t>u ∈ V[G] </a:t>
             </a:r>
             <a:r>
               <a:rPr lang="en-US" sz="1600" b="1" dirty="0" smtClean="0">
@@ -37718,18 +37647,7 @@
                   </a:schemeClr>
                 </a:solidFill>
               </a:rPr>
-              <a:t> </a:t>
-            </a:r>
-            <a:r>
-              <a:rPr lang="ru-RU" sz="1600" dirty="0" smtClean="0">
-                <a:solidFill>
-                  <a:schemeClr val="tx2">
-                    <a:lumMod val="60000"/>
-                    <a:lumOff val="40000"/>
-                  </a:schemeClr>
-                </a:solidFill>
-              </a:rPr>
-              <a:t>u ∈ V[G] </a:t>
+              <a:t> u ∈ V[G] </a:t>
             </a:r>
             <a:r>
               <a:rPr lang="en-US" sz="1600" b="1" dirty="0" smtClean="0">
@@ -37948,11 +37866,7 @@
             </a:br>
             <a:r>
               <a:rPr lang="en-US" sz="1600" dirty="0" smtClean="0"/>
-              <a:t>to end(Q) ⟵ </a:t>
-            </a:r>
-            <a:r>
-              <a:rPr lang="en-US" sz="1600" dirty="0" smtClean="0"/>
-              <a:t>s</a:t>
+              <a:t>to end(Q) ⟵ s</a:t>
             </a:r>
             <a:r>
               <a:rPr lang="ru-RU" sz="1600" dirty="0" smtClean="0"/>
@@ -37982,11 +37896,7 @@
             </a:br>
             <a:r>
               <a:rPr lang="en-US" sz="1600" dirty="0" smtClean="0"/>
-              <a:t>	u ⟵ </a:t>
-            </a:r>
-            <a:r>
-              <a:rPr lang="en-US" sz="1600" dirty="0" smtClean="0"/>
-              <a:t>first(Q)</a:t>
+              <a:t>	u ⟵ first(Q)</a:t>
             </a:r>
             <a:r>
               <a:rPr lang="ru-RU" sz="1600" dirty="0" smtClean="0"/>
@@ -38005,11 +37915,7 @@
             </a:r>
             <a:r>
               <a:rPr lang="en-US" sz="1600" dirty="0" smtClean="0"/>
-              <a:t> </a:t>
-            </a:r>
-            <a:r>
-              <a:rPr lang="en-US" sz="1600" dirty="0" smtClean="0"/>
-              <a:t>all</a:t>
+              <a:t> all</a:t>
             </a:r>
             <a:r>
               <a:rPr lang="ru-RU" sz="1600" dirty="0" smtClean="0"/>
@@ -38116,11 +38022,7 @@
             </a:br>
             <a:r>
               <a:rPr lang="en-US" sz="1600" dirty="0" smtClean="0"/>
-              <a:t>			</a:t>
-            </a:r>
-            <a:r>
-              <a:rPr lang="en-US" sz="1600" dirty="0" smtClean="0"/>
-              <a:t>to </a:t>
+              <a:t>			to </a:t>
             </a:r>
             <a:r>
               <a:rPr lang="en-US" sz="1600" dirty="0"/>
@@ -38297,8 +38199,8 @@
         </p:nvSpPr>
         <p:spPr>
           <a:xfrm>
-            <a:off x="323528" y="2130425"/>
-            <a:ext cx="8424936" cy="1470025"/>
+            <a:off x="323528" y="1268761"/>
+            <a:ext cx="8424936" cy="4536504"/>
           </a:xfrm>
         </p:spPr>
         <p:txBody>
@@ -38308,23 +38210,60 @@
           <a:lstStyle/>
           <a:p>
             <a:r>
+              <a:rPr lang="en-US" dirty="0" smtClean="0"/>
+              <a:t>The </a:t>
+            </a:r>
+            <a:r>
               <a:rPr lang="en-US" dirty="0"/>
-              <a:t>Lowest common ancestor</a:t>
-            </a:r>
-            <a:br>
+              <a:t>l</a:t>
+            </a:r>
+            <a:r>
+              <a:rPr lang="en-US" dirty="0" smtClean="0"/>
+              <a:t>owest common ancestor </a:t>
+            </a:r>
+            <a:r>
+              <a:rPr lang="ru-RU" dirty="0"/>
+              <a:t>(</a:t>
+            </a:r>
+            <a:r>
+              <a:rPr lang="ru-RU" dirty="0" err="1"/>
+              <a:t>lca</a:t>
+            </a:r>
+            <a:r>
+              <a:rPr lang="ru-RU" dirty="0"/>
+              <a:t>)</a:t>
+            </a:r>
+            <a:r>
+              <a:rPr lang="en-US" dirty="0" smtClean="0"/>
+              <a:t> of </a:t>
+            </a:r>
+            <a:r>
               <a:rPr lang="en-US" dirty="0"/>
-            </a:br>
-            <a:r>
-              <a:rPr lang="ru-RU" dirty="0" smtClean="0"/>
-              <a:t> (</a:t>
-            </a:r>
-            <a:r>
-              <a:rPr lang="ru-RU" dirty="0" err="1" smtClean="0"/>
-              <a:t>lca</a:t>
-            </a:r>
-            <a:r>
-              <a:rPr lang="ru-RU" dirty="0" smtClean="0"/>
-              <a:t>)</a:t>
+              <a:t>vertices </a:t>
+            </a:r>
+            <a:r>
+              <a:rPr lang="en-US" b="1" dirty="0">
+                <a:solidFill>
+                  <a:srgbClr val="00B050"/>
+                </a:solidFill>
+              </a:rPr>
+              <a:t>u</a:t>
+            </a:r>
+            <a:r>
+              <a:rPr lang="en-US" dirty="0"/>
+              <a:t> and </a:t>
+            </a:r>
+            <a:r>
+              <a:rPr lang="en-US" b="1" dirty="0">
+                <a:solidFill>
+                  <a:srgbClr val="00B0F0"/>
+                </a:solidFill>
+              </a:rPr>
+              <a:t>v</a:t>
+            </a:r>
+            <a:r>
+              <a:rPr lang="en-US" dirty="0"/>
+              <a:t> in the root tree T </a:t>
             </a:r>
             <a:endParaRPr lang="ru-RU" dirty="0"/>
           </a:p>
@@ -38387,11 +38326,7 @@
             <a:pPr algn="l"/>
             <a:r>
               <a:rPr lang="en-US" sz="1600" dirty="0" smtClean="0"/>
-              <a:t>LCA </a:t>
-            </a:r>
-            <a:r>
-              <a:rPr lang="en-US" sz="1600" dirty="0" smtClean="0"/>
-              <a:t>(root, u, v)</a:t>
+              <a:t>LCA (root, u, v)</a:t>
             </a:r>
             <a:r>
               <a:rPr lang="ru-RU" sz="1600" dirty="0" smtClean="0"/>
@@ -38414,11 +38349,7 @@
             </a:r>
             <a:r>
               <a:rPr lang="ru-RU" sz="1600" dirty="0" smtClean="0"/>
-              <a:t>u </a:t>
-            </a:r>
-            <a:r>
-              <a:rPr lang="ru-RU" sz="1600" dirty="0" smtClean="0"/>
-              <a:t>∈ V[G] </a:t>
+              <a:t>u ∈ V[G] </a:t>
             </a:r>
             <a:r>
               <a:rPr lang="en-US" sz="1600" b="1" dirty="0" smtClean="0"/>
@@ -39415,7 +39346,6 @@
               <a:rPr lang="ru-RU" sz="2800" dirty="0" smtClean="0"/>
               <a:t>.</a:t>
             </a:r>
-            <a:endParaRPr lang="ru-RU" sz="2800" dirty="0" smtClean="0"/>
           </a:p>
         </p:txBody>
       </p:sp>
@@ -40702,7 +40632,6 @@
               <a:rPr lang="ru-RU" sz="2800" dirty="0" smtClean="0"/>
               <a:t>.</a:t>
             </a:r>
-            <a:endParaRPr lang="ru-RU" sz="2800" dirty="0" smtClean="0"/>
           </a:p>
         </p:txBody>
       </p:sp>
@@ -42651,7 +42580,6 @@
               <a:rPr lang="ru-RU" sz="2800" dirty="0" smtClean="0"/>
               <a:t>.</a:t>
             </a:r>
-            <a:endParaRPr lang="ru-RU" sz="2800" dirty="0" smtClean="0"/>
           </a:p>
         </p:txBody>
       </p:sp>
@@ -42821,7 +42749,6 @@
               <a:rPr lang="ru-RU" sz="2800" dirty="0" smtClean="0"/>
               <a:t>.</a:t>
             </a:r>
-            <a:endParaRPr lang="ru-RU" sz="2800" dirty="0" smtClean="0"/>
           </a:p>
         </p:txBody>
       </p:sp>
@@ -44184,11 +44111,7 @@
             </a:r>
             <a:r>
               <a:rPr lang="ru-RU" dirty="0" smtClean="0"/>
-              <a:t>: </a:t>
-            </a:r>
-            <a:r>
-              <a:rPr lang="ru-RU" dirty="0" smtClean="0"/>
-              <a:t>(1,2)</a:t>
+              <a:t>: (1,2)</a:t>
             </a:r>
             <a:endParaRPr lang="ru-RU" dirty="0"/>
           </a:p>
@@ -44467,18 +44390,7 @@
                   </a:schemeClr>
                 </a:solidFill>
               </a:rPr>
-              <a:t> </a:t>
-            </a:r>
-            <a:r>
-              <a:rPr lang="ru-RU" sz="1600" dirty="0" smtClean="0">
-                <a:solidFill>
-                  <a:schemeClr val="tx2">
-                    <a:lumMod val="60000"/>
-                    <a:lumOff val="40000"/>
-                  </a:schemeClr>
-                </a:solidFill>
-              </a:rPr>
-              <a:t>u ∈ V[G] </a:t>
+              <a:t> u ∈ V[G] </a:t>
             </a:r>
             <a:r>
               <a:rPr lang="en-US" sz="1600" b="1" dirty="0" smtClean="0">
@@ -44615,18 +44527,7 @@
                   </a:schemeClr>
                 </a:solidFill>
               </a:rPr>
-              <a:t> </a:t>
-            </a:r>
-            <a:r>
-              <a:rPr lang="ru-RU" sz="1600" dirty="0" smtClean="0">
-                <a:solidFill>
-                  <a:schemeClr val="tx2">
-                    <a:lumMod val="60000"/>
-                    <a:lumOff val="40000"/>
-                  </a:schemeClr>
-                </a:solidFill>
-              </a:rPr>
-              <a:t>u ∈ V[G] </a:t>
+              <a:t> u ∈ V[G] </a:t>
             </a:r>
             <a:r>
               <a:rPr lang="en-US" sz="1600" b="1" dirty="0" smtClean="0">
@@ -44854,11 +44755,7 @@
             </a:r>
             <a:r>
               <a:rPr lang="en-US" sz="1600" dirty="0" smtClean="0"/>
-              <a:t> </a:t>
-            </a:r>
-            <a:r>
-              <a:rPr lang="en-US" sz="1600" dirty="0" smtClean="0"/>
-              <a:t>all</a:t>
+              <a:t> all</a:t>
             </a:r>
             <a:r>
               <a:rPr lang="ru-RU" sz="1600" dirty="0" smtClean="0"/>
@@ -45281,7 +45178,6 @@
               <a:rPr lang="ru-RU" sz="2800" dirty="0" smtClean="0"/>
               <a:t>.</a:t>
             </a:r>
-            <a:endParaRPr lang="ru-RU" sz="2800" dirty="0" smtClean="0"/>
           </a:p>
         </p:txBody>
       </p:sp>
@@ -45436,18 +45332,7 @@
                   </a:schemeClr>
                 </a:solidFill>
               </a:rPr>
-              <a:t> </a:t>
-            </a:r>
-            <a:r>
-              <a:rPr lang="ru-RU" sz="1600" dirty="0" smtClean="0">
-                <a:solidFill>
-                  <a:schemeClr val="tx2">
-                    <a:lumMod val="60000"/>
-                    <a:lumOff val="40000"/>
-                  </a:schemeClr>
-                </a:solidFill>
-              </a:rPr>
-              <a:t>u ∈ V[G] </a:t>
+              <a:t> u ∈ V[G] </a:t>
             </a:r>
             <a:r>
               <a:rPr lang="en-US" sz="1600" b="1" dirty="0" smtClean="0">
@@ -45612,18 +45497,7 @@
                   </a:schemeClr>
                 </a:solidFill>
               </a:rPr>
-              <a:t> </a:t>
-            </a:r>
-            <a:r>
-              <a:rPr lang="ru-RU" sz="1600" dirty="0" smtClean="0">
-                <a:solidFill>
-                  <a:schemeClr val="tx2">
-                    <a:lumMod val="60000"/>
-                    <a:lumOff val="40000"/>
-                  </a:schemeClr>
-                </a:solidFill>
-              </a:rPr>
-              <a:t>u ∈ V[G] </a:t>
+              <a:t> u ∈ V[G] </a:t>
             </a:r>
             <a:r>
               <a:rPr lang="en-US" sz="1600" b="1" dirty="0" smtClean="0">
@@ -45871,11 +45745,7 @@
             </a:br>
             <a:r>
               <a:rPr lang="en-US" sz="1600" dirty="0" smtClean="0"/>
-              <a:t>	</a:t>
-            </a:r>
-            <a:r>
-              <a:rPr lang="en-US" sz="1600" dirty="0" smtClean="0"/>
-              <a:t>u </a:t>
+              <a:t>	u </a:t>
             </a:r>
             <a:r>
               <a:rPr lang="en-US" sz="1600" dirty="0"/>
@@ -45898,11 +45768,7 @@
             </a:r>
             <a:r>
               <a:rPr lang="en-US" sz="1600" dirty="0" smtClean="0"/>
-              <a:t> </a:t>
-            </a:r>
-            <a:r>
-              <a:rPr lang="en-US" sz="1600" dirty="0" smtClean="0"/>
-              <a:t>all</a:t>
+              <a:t> all</a:t>
             </a:r>
             <a:r>
               <a:rPr lang="ru-RU" sz="1600" dirty="0" smtClean="0"/>
@@ -46121,7 +45987,6 @@
               <a:rPr lang="ru-RU" sz="2800" b="1" dirty="0" smtClean="0"/>
               <a:t>.</a:t>
             </a:r>
-            <a:endParaRPr lang="ru-RU" sz="2800" b="1" dirty="0" smtClean="0"/>
           </a:p>
         </p:txBody>
       </p:sp>
@@ -50386,11 +50251,7 @@
             </a:r>
             <a:r>
               <a:rPr lang="ru-RU" dirty="0" smtClean="0"/>
-              <a:t>: </a:t>
-            </a:r>
-            <a:r>
-              <a:rPr lang="ru-RU" dirty="0" smtClean="0"/>
-              <a:t>(1,3)</a:t>
+              <a:t>: (1,3)</a:t>
             </a:r>
             <a:endParaRPr lang="ru-RU" dirty="0"/>
           </a:p>
@@ -58201,11 +58062,7 @@
             </a:r>
             <a:r>
               <a:rPr lang="ru-RU" dirty="0" smtClean="0"/>
-              <a:t>: </a:t>
-            </a:r>
-            <a:r>
-              <a:rPr lang="ru-RU" dirty="0" smtClean="0"/>
-              <a:t>(2,1)</a:t>
+              <a:t>: (2,1)</a:t>
             </a:r>
             <a:endParaRPr lang="ru-RU" dirty="0"/>
           </a:p>
@@ -60663,11 +60520,7 @@
             </a:r>
             <a:r>
               <a:rPr lang="ru-RU" dirty="0" smtClean="0"/>
-              <a:t>: </a:t>
-            </a:r>
-            <a:r>
-              <a:rPr lang="ru-RU" dirty="0" smtClean="0"/>
-              <a:t>(2,4)</a:t>
+              <a:t>: (2,4)</a:t>
             </a:r>
             <a:endParaRPr lang="ru-RU" dirty="0"/>
           </a:p>
@@ -62179,11 +62032,7 @@
             </a:r>
             <a:r>
               <a:rPr lang="ru-RU" dirty="0" smtClean="0"/>
-              <a:t>: </a:t>
-            </a:r>
-            <a:r>
-              <a:rPr lang="ru-RU" dirty="0" smtClean="0"/>
-              <a:t>(2,5)</a:t>
+              <a:t>: (2,5)</a:t>
             </a:r>
             <a:endParaRPr lang="ru-RU" dirty="0"/>
           </a:p>

--- a/Presentation/Lection 1.pptx
+++ b/Presentation/Lection 1.pptx
@@ -37456,7 +37456,7 @@
               <a:t> </a:t>
             </a:r>
             <a:r>
-              <a:rPr lang="en-US" sz="1600" dirty="0" smtClean="0">
+              <a:rPr lang="en-US" sz="1600" dirty="0">
                 <a:solidFill>
                   <a:schemeClr val="tx2">
                     <a:lumMod val="60000"/>
@@ -37464,7 +37464,7 @@
                   </a:schemeClr>
                 </a:solidFill>
               </a:rPr>
-              <a:t>all </a:t>
+              <a:t>each </a:t>
             </a:r>
             <a:r>
               <a:rPr lang="ru-RU" sz="1600" dirty="0" smtClean="0">
@@ -37628,7 +37628,7 @@
               <a:t> </a:t>
             </a:r>
             <a:r>
-              <a:rPr lang="en-US" sz="1600" dirty="0" smtClean="0">
+              <a:rPr lang="en-US" sz="1600" dirty="0">
                 <a:solidFill>
                   <a:schemeClr val="tx2">
                     <a:lumMod val="60000"/>
@@ -37636,7 +37636,7 @@
                   </a:schemeClr>
                 </a:solidFill>
               </a:rPr>
-              <a:t>all</a:t>
+              <a:t>each</a:t>
             </a:r>
             <a:r>
               <a:rPr lang="ru-RU" sz="1600" dirty="0" smtClean="0">

--- a/Presentation/Lection 1.pptx
+++ b/Presentation/Lection 1.pptx
@@ -376,7 +376,7 @@
             <a:fld id="{5B106E36-FD25-4E2D-B0AA-010F637433A0}" type="datetimeFigureOut">
               <a:rPr lang="ru-RU" smtClean="0"/>
               <a:pPr/>
-              <a:t>15.02.2022</a:t>
+              <a:t>26.04.2022</a:t>
             </a:fld>
             <a:endParaRPr lang="ru-RU"/>
           </a:p>
@@ -543,7 +543,7 @@
             <a:fld id="{5B106E36-FD25-4E2D-B0AA-010F637433A0}" type="datetimeFigureOut">
               <a:rPr lang="ru-RU" smtClean="0"/>
               <a:pPr/>
-              <a:t>15.02.2022</a:t>
+              <a:t>26.04.2022</a:t>
             </a:fld>
             <a:endParaRPr lang="ru-RU"/>
           </a:p>
@@ -720,7 +720,7 @@
             <a:fld id="{5B106E36-FD25-4E2D-B0AA-010F637433A0}" type="datetimeFigureOut">
               <a:rPr lang="ru-RU" smtClean="0"/>
               <a:pPr/>
-              <a:t>15.02.2022</a:t>
+              <a:t>26.04.2022</a:t>
             </a:fld>
             <a:endParaRPr lang="ru-RU"/>
           </a:p>
@@ -887,7 +887,7 @@
             <a:fld id="{5B106E36-FD25-4E2D-B0AA-010F637433A0}" type="datetimeFigureOut">
               <a:rPr lang="ru-RU" smtClean="0"/>
               <a:pPr/>
-              <a:t>15.02.2022</a:t>
+              <a:t>26.04.2022</a:t>
             </a:fld>
             <a:endParaRPr lang="ru-RU"/>
           </a:p>
@@ -1130,7 +1130,7 @@
             <a:fld id="{5B106E36-FD25-4E2D-B0AA-010F637433A0}" type="datetimeFigureOut">
               <a:rPr lang="ru-RU" smtClean="0"/>
               <a:pPr/>
-              <a:t>15.02.2022</a:t>
+              <a:t>26.04.2022</a:t>
             </a:fld>
             <a:endParaRPr lang="ru-RU"/>
           </a:p>
@@ -1415,7 +1415,7 @@
             <a:fld id="{5B106E36-FD25-4E2D-B0AA-010F637433A0}" type="datetimeFigureOut">
               <a:rPr lang="ru-RU" smtClean="0"/>
               <a:pPr/>
-              <a:t>15.02.2022</a:t>
+              <a:t>26.04.2022</a:t>
             </a:fld>
             <a:endParaRPr lang="ru-RU"/>
           </a:p>
@@ -1834,7 +1834,7 @@
             <a:fld id="{5B106E36-FD25-4E2D-B0AA-010F637433A0}" type="datetimeFigureOut">
               <a:rPr lang="ru-RU" smtClean="0"/>
               <a:pPr/>
-              <a:t>15.02.2022</a:t>
+              <a:t>26.04.2022</a:t>
             </a:fld>
             <a:endParaRPr lang="ru-RU"/>
           </a:p>
@@ -1949,7 +1949,7 @@
             <a:fld id="{5B106E36-FD25-4E2D-B0AA-010F637433A0}" type="datetimeFigureOut">
               <a:rPr lang="ru-RU" smtClean="0"/>
               <a:pPr/>
-              <a:t>15.02.2022</a:t>
+              <a:t>26.04.2022</a:t>
             </a:fld>
             <a:endParaRPr lang="ru-RU"/>
           </a:p>
@@ -2041,7 +2041,7 @@
             <a:fld id="{5B106E36-FD25-4E2D-B0AA-010F637433A0}" type="datetimeFigureOut">
               <a:rPr lang="ru-RU" smtClean="0"/>
               <a:pPr/>
-              <a:t>15.02.2022</a:t>
+              <a:t>26.04.2022</a:t>
             </a:fld>
             <a:endParaRPr lang="ru-RU"/>
           </a:p>
@@ -2315,7 +2315,7 @@
             <a:fld id="{5B106E36-FD25-4E2D-B0AA-010F637433A0}" type="datetimeFigureOut">
               <a:rPr lang="ru-RU" smtClean="0"/>
               <a:pPr/>
-              <a:t>15.02.2022</a:t>
+              <a:t>26.04.2022</a:t>
             </a:fld>
             <a:endParaRPr lang="ru-RU"/>
           </a:p>
@@ -2565,7 +2565,7 @@
             <a:fld id="{5B106E36-FD25-4E2D-B0AA-010F637433A0}" type="datetimeFigureOut">
               <a:rPr lang="ru-RU" smtClean="0"/>
               <a:pPr/>
-              <a:t>15.02.2022</a:t>
+              <a:t>26.04.2022</a:t>
             </a:fld>
             <a:endParaRPr lang="ru-RU"/>
           </a:p>
@@ -2775,7 +2775,7 @@
             <a:fld id="{5B106E36-FD25-4E2D-B0AA-010F637433A0}" type="datetimeFigureOut">
               <a:rPr lang="ru-RU" smtClean="0"/>
               <a:pPr/>
-              <a:t>15.02.2022</a:t>
+              <a:t>26.04.2022</a:t>
             </a:fld>
             <a:endParaRPr lang="ru-RU"/>
           </a:p>
